--- a/CNTK_Beginner's_HandsOn_DecodeHackday.pptx
+++ b/CNTK_Beginner's_HandsOn_DecodeHackday.pptx
@@ -5,10 +5,10 @@
     <p:sldMasterId id="2147484229" r:id="rId4"/>
   </p:sldMasterIdLst>
   <p:notesMasterIdLst>
-    <p:notesMasterId r:id="rId38"/>
+    <p:notesMasterId r:id="rId40"/>
   </p:notesMasterIdLst>
   <p:handoutMasterIdLst>
-    <p:handoutMasterId r:id="rId39"/>
+    <p:handoutMasterId r:id="rId41"/>
   </p:handoutMasterIdLst>
   <p:sldIdLst>
     <p:sldId id="1450" r:id="rId5"/>
@@ -35,15 +35,17 @@
     <p:sldId id="1498" r:id="rId26"/>
     <p:sldId id="1505" r:id="rId27"/>
     <p:sldId id="1468" r:id="rId28"/>
-    <p:sldId id="1509" r:id="rId29"/>
-    <p:sldId id="1506" r:id="rId30"/>
-    <p:sldId id="1469" r:id="rId31"/>
-    <p:sldId id="1484" r:id="rId32"/>
-    <p:sldId id="1508" r:id="rId33"/>
-    <p:sldId id="1514" r:id="rId34"/>
-    <p:sldId id="1516" r:id="rId35"/>
-    <p:sldId id="1515" r:id="rId36"/>
-    <p:sldId id="1457" r:id="rId37"/>
+    <p:sldId id="1520" r:id="rId29"/>
+    <p:sldId id="1521" r:id="rId30"/>
+    <p:sldId id="1509" r:id="rId31"/>
+    <p:sldId id="1506" r:id="rId32"/>
+    <p:sldId id="1469" r:id="rId33"/>
+    <p:sldId id="1484" r:id="rId34"/>
+    <p:sldId id="1508" r:id="rId35"/>
+    <p:sldId id="1514" r:id="rId36"/>
+    <p:sldId id="1516" r:id="rId37"/>
+    <p:sldId id="1515" r:id="rId38"/>
+    <p:sldId id="1457" r:id="rId39"/>
   </p:sldIdLst>
   <p:sldSz cx="12436475" cy="6994525"/>
   <p:notesSz cx="6858000" cy="9144000"/>
@@ -1613,7 +1615,7 @@
               <a:rPr lang="en-US" smtClean="0">
                 <a:latin typeface="Segoe UI" pitchFamily="34" charset="0"/>
               </a:rPr>
-              <a:t>5/21/2017 9:03 PM</a:t>
+              <a:t>5/23/2017 9:45 PM</a:t>
             </a:fld>
             <a:endParaRPr lang="en-US" dirty="0">
               <a:latin typeface="Segoe UI" pitchFamily="34" charset="0"/>
@@ -1858,7 +1860,7 @@
           <a:p>
             <a:fld id="{38EEC551-8CDA-4EB6-89BB-2A86C9F091C8}" type="datetime8">
               <a:rPr lang="en-US" smtClean="0"/>
-              <a:t>5/21/2017 9:02 PM</a:t>
+              <a:t>5/23/2017 9:44 PM</a:t>
             </a:fld>
             <a:endParaRPr lang="en-US" dirty="0"/>
           </a:p>
@@ -2233,7 +2235,7 @@
           <a:p>
             <a:fld id="{7D10C09F-FCA1-48C8-B40D-42E1045D109E}" type="datetime8">
               <a:rPr lang="en-US" smtClean="0"/>
-              <a:t>5/21/2017 9:02 PM</a:t>
+              <a:t>5/23/2017 9:44 PM</a:t>
             </a:fld>
             <a:endParaRPr lang="en-US" dirty="0"/>
           </a:p>
@@ -2495,7 +2497,7 @@
                 <a:tabLst/>
                 <a:defRPr/>
               </a:pPr>
-              <a:t>5/21/2017 9:02 PM</a:t>
+              <a:t>5/23/2017 9:44 PM</a:t>
             </a:fld>
             <a:endParaRPr kumimoji="0" lang="en-US" sz="1200" b="0" i="0" u="none" strike="noStrike" kern="1200" cap="none" spc="0" normalizeH="0" baseline="0" noProof="0" dirty="0">
               <a:ln>
@@ -3052,7 +3054,7 @@
           <a:p>
             <a:fld id="{7D10C09F-FCA1-48C8-B40D-42E1045D109E}" type="datetime8">
               <a:rPr lang="en-US" smtClean="0"/>
-              <a:t>5/21/2017 9:02 PM</a:t>
+              <a:t>5/23/2017 9:44 PM</a:t>
             </a:fld>
             <a:endParaRPr lang="en-US" dirty="0"/>
           </a:p>
@@ -3309,7 +3311,7 @@
           <a:p>
             <a:fld id="{7D10C09F-FCA1-48C8-B40D-42E1045D109E}" type="datetime8">
               <a:rPr lang="en-US" smtClean="0"/>
-              <a:t>5/21/2017 9:02 PM</a:t>
+              <a:t>5/23/2017 9:44 PM</a:t>
             </a:fld>
             <a:endParaRPr lang="en-US" dirty="0"/>
           </a:p>
@@ -11069,25 +11071,6 @@
       </p:sp>
       <p:sp>
         <p:nvSpPr>
-          <p:cNvPr id="3" name="テキスト プレースホルダー 2"/>
-          <p:cNvSpPr>
-            <a:spLocks noGrp="1"/>
-          </p:cNvSpPr>
-          <p:nvPr>
-            <p:ph type="body" sz="quarter" idx="13"/>
-          </p:nvPr>
-        </p:nvSpPr>
-        <p:spPr/>
-        <p:txBody>
-          <a:bodyPr/>
-          <a:lstStyle/>
-          <a:p>
-            <a:endParaRPr kumimoji="1" lang="ja-JP" altLang="en-US"/>
-          </a:p>
-        </p:txBody>
-      </p:sp>
-      <p:sp>
-        <p:nvSpPr>
           <p:cNvPr id="4" name="テキスト プレースホルダー 3"/>
           <p:cNvSpPr>
             <a:spLocks noGrp="1"/>
@@ -19911,6 +19894,345 @@
           <a:chExt cx="0" cy="0"/>
         </a:xfrm>
       </p:grpSpPr>
+      <p:sp>
+        <p:nvSpPr>
+          <p:cNvPr id="2" name="タイトル 1">
+            <a:extLst>
+              <a:ext uri="{FF2B5EF4-FFF2-40B4-BE49-F238E27FC236}">
+                <a16:creationId xmlns:a16="http://schemas.microsoft.com/office/drawing/2014/main" id="{DCA6A5EA-903C-4A2F-B6A0-25872D22D932}"/>
+              </a:ext>
+            </a:extLst>
+          </p:cNvPr>
+          <p:cNvSpPr>
+            <a:spLocks noGrp="1"/>
+          </p:cNvSpPr>
+          <p:nvPr>
+            <p:ph type="title"/>
+          </p:nvPr>
+        </p:nvSpPr>
+        <p:spPr>
+          <a:xfrm>
+            <a:off x="274639" y="295275"/>
+            <a:ext cx="11889564" cy="753716"/>
+          </a:xfrm>
+        </p:spPr>
+        <p:txBody>
+          <a:bodyPr/>
+          <a:lstStyle/>
+          <a:p>
+            <a:r>
+              <a:rPr lang="ja-JP" altLang="en-US" sz="3600" dirty="0"/>
+              <a:t>お手軽環境構築① ローカル環境</a:t>
+            </a:r>
+            <a:endParaRPr kumimoji="1" lang="ja-JP" altLang="en-US" sz="3600" dirty="0"/>
+          </a:p>
+        </p:txBody>
+      </p:sp>
+      <p:pic>
+        <p:nvPicPr>
+          <p:cNvPr id="5" name="図 4" descr="スクリーンショット が含まれている画像&#10;&#10;非常に高い精度で生成された説明">
+            <a:extLst>
+              <a:ext uri="{FF2B5EF4-FFF2-40B4-BE49-F238E27FC236}">
+                <a16:creationId xmlns:a16="http://schemas.microsoft.com/office/drawing/2014/main" id="{BF23A062-526B-4FC7-9ADC-56CD7A27FA33}"/>
+              </a:ext>
+            </a:extLst>
+          </p:cNvPr>
+          <p:cNvPicPr>
+            <a:picLocks/>
+          </p:cNvPicPr>
+          <p:nvPr/>
+        </p:nvPicPr>
+        <p:blipFill>
+          <a:blip r:embed="rId2"/>
+          <a:stretch>
+            <a:fillRect/>
+          </a:stretch>
+        </p:blipFill>
+        <p:spPr>
+          <a:xfrm>
+            <a:off x="961653" y="1697062"/>
+            <a:ext cx="10873208" cy="4248472"/>
+          </a:xfrm>
+          <a:prstGeom prst="rect">
+            <a:avLst/>
+          </a:prstGeom>
+        </p:spPr>
+      </p:pic>
+    </p:spTree>
+    <p:extLst>
+      <p:ext uri="{BB962C8B-B14F-4D97-AF65-F5344CB8AC3E}">
+        <p14:creationId xmlns:p14="http://schemas.microsoft.com/office/powerpoint/2010/main" val="880051764"/>
+      </p:ext>
+    </p:extLst>
+  </p:cSld>
+  <p:clrMapOvr>
+    <a:masterClrMapping/>
+  </p:clrMapOvr>
+  <p:transition>
+    <p:fade/>
+  </p:transition>
+</p:sld>
+</file>
+
+<file path=ppt/slides/slide26.xml><?xml version="1.0" encoding="utf-8"?>
+<p:sld xmlns:a="http://schemas.openxmlformats.org/drawingml/2006/main" xmlns:r="http://schemas.openxmlformats.org/officeDocument/2006/relationships" xmlns:p="http://schemas.openxmlformats.org/presentationml/2006/main">
+  <p:cSld>
+    <p:spTree>
+      <p:nvGrpSpPr>
+        <p:cNvPr id="1" name=""/>
+        <p:cNvGrpSpPr/>
+        <p:nvPr/>
+      </p:nvGrpSpPr>
+      <p:grpSpPr>
+        <a:xfrm>
+          <a:off x="0" y="0"/>
+          <a:ext cx="0" cy="0"/>
+          <a:chOff x="0" y="0"/>
+          <a:chExt cx="0" cy="0"/>
+        </a:xfrm>
+      </p:grpSpPr>
+      <p:sp>
+        <p:nvSpPr>
+          <p:cNvPr id="2" name="タイトル 1">
+            <a:extLst>
+              <a:ext uri="{FF2B5EF4-FFF2-40B4-BE49-F238E27FC236}">
+                <a16:creationId xmlns:a16="http://schemas.microsoft.com/office/drawing/2014/main" id="{DCA6A5EA-903C-4A2F-B6A0-25872D22D932}"/>
+              </a:ext>
+            </a:extLst>
+          </p:cNvPr>
+          <p:cNvSpPr>
+            <a:spLocks noGrp="1"/>
+          </p:cNvSpPr>
+          <p:nvPr>
+            <p:ph type="title"/>
+          </p:nvPr>
+        </p:nvSpPr>
+        <p:spPr>
+          <a:xfrm>
+            <a:off x="274639" y="295275"/>
+            <a:ext cx="11889564" cy="753716"/>
+          </a:xfrm>
+        </p:spPr>
+        <p:txBody>
+          <a:bodyPr/>
+          <a:lstStyle/>
+          <a:p>
+            <a:r>
+              <a:rPr lang="ja-JP" altLang="en-US" sz="3600" dirty="0"/>
+              <a:t>お手軽環境構築② </a:t>
+            </a:r>
+            <a:r>
+              <a:rPr lang="en-US" altLang="ja-JP" sz="3600" dirty="0"/>
+              <a:t>Azure </a:t>
+            </a:r>
+            <a:r>
+              <a:rPr lang="ja-JP" altLang="en-US" sz="3600" dirty="0"/>
+              <a:t>の場合</a:t>
+            </a:r>
+            <a:endParaRPr kumimoji="1" lang="ja-JP" altLang="en-US" sz="3600" dirty="0"/>
+          </a:p>
+        </p:txBody>
+      </p:sp>
+      <p:sp>
+        <p:nvSpPr>
+          <p:cNvPr id="4" name="テキスト プレースホルダー 2">
+            <a:extLst>
+              <a:ext uri="{FF2B5EF4-FFF2-40B4-BE49-F238E27FC236}">
+                <a16:creationId xmlns:a16="http://schemas.microsoft.com/office/drawing/2014/main" id="{D13FDEAA-2D97-4926-BD3F-8EADDCFD2650}"/>
+              </a:ext>
+            </a:extLst>
+          </p:cNvPr>
+          <p:cNvSpPr>
+            <a:spLocks noGrp="1"/>
+          </p:cNvSpPr>
+          <p:nvPr>
+            <p:ph type="body" sz="quarter" idx="10"/>
+          </p:nvPr>
+        </p:nvSpPr>
+        <p:spPr>
+          <a:xfrm>
+            <a:off x="274638" y="1212850"/>
+            <a:ext cx="11887200" cy="1169551"/>
+          </a:xfrm>
+        </p:spPr>
+        <p:txBody>
+          <a:bodyPr/>
+          <a:lstStyle/>
+          <a:p>
+            <a:r>
+              <a:rPr lang="en-US" altLang="ja-JP" sz="3200" dirty="0"/>
+              <a:t>Azure </a:t>
+            </a:r>
+            <a:r>
+              <a:rPr lang="ja-JP" altLang="en-US" sz="3200" dirty="0"/>
+              <a:t>上では、</a:t>
+            </a:r>
+            <a:r>
+              <a:rPr lang="en-US" altLang="ja-JP" sz="3200" dirty="0"/>
+              <a:t>Windows </a:t>
+            </a:r>
+            <a:r>
+              <a:rPr lang="ja-JP" altLang="en-US" sz="3200" dirty="0"/>
+              <a:t>版の最初から </a:t>
+            </a:r>
+            <a:r>
+              <a:rPr lang="en-US" altLang="ja-JP" sz="3200" dirty="0"/>
+              <a:t>GPU Version </a:t>
+            </a:r>
+            <a:r>
+              <a:rPr lang="ja-JP" altLang="en-US" sz="3200" dirty="0"/>
+              <a:t>で環境構築済みの </a:t>
+            </a:r>
+            <a:r>
+              <a:rPr lang="en-US" altLang="ja-JP" sz="3200" dirty="0"/>
+              <a:t>VM </a:t>
+            </a:r>
+            <a:r>
+              <a:rPr lang="ja-JP" altLang="en-US" sz="3200" dirty="0"/>
+              <a:t>イメージが用意されています。</a:t>
+            </a:r>
+            <a:endParaRPr kumimoji="1" lang="en-US" altLang="ja-JP" sz="3200" dirty="0"/>
+          </a:p>
+        </p:txBody>
+      </p:sp>
+      <p:sp>
+        <p:nvSpPr>
+          <p:cNvPr id="3" name="正方形/長方形 2">
+            <a:extLst>
+              <a:ext uri="{FF2B5EF4-FFF2-40B4-BE49-F238E27FC236}">
+                <a16:creationId xmlns:a16="http://schemas.microsoft.com/office/drawing/2014/main" id="{DE462924-0BCA-4071-89A0-A66D6F561CD6}"/>
+              </a:ext>
+            </a:extLst>
+          </p:cNvPr>
+          <p:cNvSpPr/>
+          <p:nvPr/>
+        </p:nvSpPr>
+        <p:spPr>
+          <a:xfrm>
+            <a:off x="684507" y="3544583"/>
+            <a:ext cx="8784976" cy="707886"/>
+          </a:xfrm>
+          <a:prstGeom prst="rect">
+            <a:avLst/>
+          </a:prstGeom>
+        </p:spPr>
+        <p:txBody>
+          <a:bodyPr wrap="square">
+            <a:spAutoFit/>
+          </a:bodyPr>
+          <a:lstStyle/>
+          <a:p>
+            <a:r>
+              <a:rPr lang="ja-JP" altLang="en-US" sz="2000" dirty="0">
+                <a:hlinkClick r:id="rId2"/>
+              </a:rPr>
+              <a:t>https://azuremarketplace.microsoft.com/ja-jp/marketplace/apps/microsoft-ads.dsvm-deep-learning?tab=Overview</a:t>
+            </a:r>
+            <a:endParaRPr lang="ja-JP" altLang="en-US" sz="2000" dirty="0"/>
+          </a:p>
+        </p:txBody>
+      </p:sp>
+      <p:sp>
+        <p:nvSpPr>
+          <p:cNvPr id="6" name="テキスト ボックス 5">
+            <a:extLst>
+              <a:ext uri="{FF2B5EF4-FFF2-40B4-BE49-F238E27FC236}">
+                <a16:creationId xmlns:a16="http://schemas.microsoft.com/office/drawing/2014/main" id="{7272CC37-510A-40FB-9BD4-A70C91713116}"/>
+              </a:ext>
+            </a:extLst>
+          </p:cNvPr>
+          <p:cNvSpPr txBox="1"/>
+          <p:nvPr/>
+        </p:nvSpPr>
+        <p:spPr>
+          <a:xfrm>
+            <a:off x="601613" y="2805919"/>
+            <a:ext cx="8856984" cy="738664"/>
+          </a:xfrm>
+          <a:prstGeom prst="rect">
+            <a:avLst/>
+          </a:prstGeom>
+          <a:noFill/>
+        </p:spPr>
+        <p:txBody>
+          <a:bodyPr wrap="square" lIns="182880" tIns="146304" rIns="182880" bIns="146304" rtlCol="0">
+            <a:spAutoFit/>
+          </a:bodyPr>
+          <a:lstStyle/>
+          <a:p>
+            <a:pPr>
+              <a:lnSpc>
+                <a:spcPct val="90000"/>
+              </a:lnSpc>
+              <a:spcAft>
+                <a:spcPts val="600"/>
+              </a:spcAft>
+            </a:pPr>
+            <a:r>
+              <a:rPr kumimoji="1" lang="en-US" altLang="ja-JP" sz="3200" dirty="0">
+                <a:gradFill>
+                  <a:gsLst>
+                    <a:gs pos="2917">
+                      <a:schemeClr val="tx1"/>
+                    </a:gs>
+                    <a:gs pos="30000">
+                      <a:schemeClr val="tx1"/>
+                    </a:gs>
+                  </a:gsLst>
+                  <a:lin ang="5400000" scaled="0"/>
+                </a:gradFill>
+              </a:rPr>
+              <a:t>Deep Learning toolkit for Data Science VM</a:t>
+            </a:r>
+            <a:endParaRPr kumimoji="1" lang="ja-JP" altLang="en-US" sz="3200" dirty="0" err="1">
+              <a:gradFill>
+                <a:gsLst>
+                  <a:gs pos="2917">
+                    <a:schemeClr val="tx1"/>
+                  </a:gs>
+                  <a:gs pos="30000">
+                    <a:schemeClr val="tx1"/>
+                  </a:gs>
+                </a:gsLst>
+                <a:lin ang="5400000" scaled="0"/>
+              </a:gradFill>
+            </a:endParaRPr>
+          </a:p>
+        </p:txBody>
+      </p:sp>
+    </p:spTree>
+    <p:extLst>
+      <p:ext uri="{BB962C8B-B14F-4D97-AF65-F5344CB8AC3E}">
+        <p14:creationId xmlns:p14="http://schemas.microsoft.com/office/powerpoint/2010/main" val="640219230"/>
+      </p:ext>
+    </p:extLst>
+  </p:cSld>
+  <p:clrMapOvr>
+    <a:masterClrMapping/>
+  </p:clrMapOvr>
+  <p:transition>
+    <p:fade/>
+  </p:transition>
+</p:sld>
+</file>
+
+<file path=ppt/slides/slide27.xml><?xml version="1.0" encoding="utf-8"?>
+<p:sld xmlns:a="http://schemas.openxmlformats.org/drawingml/2006/main" xmlns:r="http://schemas.openxmlformats.org/officeDocument/2006/relationships" xmlns:p="http://schemas.openxmlformats.org/presentationml/2006/main">
+  <p:cSld>
+    <p:spTree>
+      <p:nvGrpSpPr>
+        <p:cNvPr id="1" name=""/>
+        <p:cNvGrpSpPr/>
+        <p:nvPr/>
+      </p:nvGrpSpPr>
+      <p:grpSpPr>
+        <a:xfrm>
+          <a:off x="0" y="0"/>
+          <a:ext cx="0" cy="0"/>
+          <a:chOff x="0" y="0"/>
+          <a:chExt cx="0" cy="0"/>
+        </a:xfrm>
+      </p:grpSpPr>
       <p:pic>
         <p:nvPicPr>
           <p:cNvPr id="5" name="図 4">
@@ -19957,7 +20279,7 @@
 </p:sld>
 </file>
 
-<file path=ppt/slides/slide26.xml><?xml version="1.0" encoding="utf-8"?>
+<file path=ppt/slides/slide28.xml><?xml version="1.0" encoding="utf-8"?>
 <p:sld xmlns:a="http://schemas.openxmlformats.org/drawingml/2006/main" xmlns:r="http://schemas.openxmlformats.org/officeDocument/2006/relationships" xmlns:p="http://schemas.openxmlformats.org/presentationml/2006/main">
   <p:cSld>
     <p:spTree>
@@ -20040,7 +20362,7 @@
 </p:sld>
 </file>
 
-<file path=ppt/slides/slide27.xml><?xml version="1.0" encoding="utf-8"?>
+<file path=ppt/slides/slide29.xml><?xml version="1.0" encoding="utf-8"?>
 <p:sld xmlns:a="http://schemas.openxmlformats.org/drawingml/2006/main" xmlns:r="http://schemas.openxmlformats.org/officeDocument/2006/relationships" xmlns:p="http://schemas.openxmlformats.org/presentationml/2006/main">
   <p:cSld>
     <p:spTree>
@@ -20259,7 +20581,7 @@
 </p:sld>
 </file>
 
-<file path=ppt/slides/slide28.xml><?xml version="1.0" encoding="utf-8"?>
+<file path=ppt/slides/slide3.xml><?xml version="1.0" encoding="utf-8"?>
 <p:sld xmlns:a="http://schemas.openxmlformats.org/drawingml/2006/main" xmlns:r="http://schemas.openxmlformats.org/officeDocument/2006/relationships" xmlns:p="http://schemas.openxmlformats.org/presentationml/2006/main">
   <p:cSld>
     <p:spTree>
@@ -20298,6 +20620,136 @@
           <a:lstStyle/>
           <a:p>
             <a:r>
+              <a:rPr kumimoji="1" lang="ja-JP" altLang="en-US" dirty="0"/>
+              <a:t>本セッションを受けた後には</a:t>
+            </a:r>
+            <a:r>
+              <a:rPr kumimoji="1" lang="en-US" altLang="ja-JP" dirty="0"/>
+              <a:t>…</a:t>
+            </a:r>
+            <a:endParaRPr kumimoji="1" lang="ja-JP" altLang="en-US" dirty="0"/>
+          </a:p>
+        </p:txBody>
+      </p:sp>
+      <p:sp>
+        <p:nvSpPr>
+          <p:cNvPr id="3" name="テキスト プレースホルダー 2">
+            <a:extLst>
+              <a:ext uri="{FF2B5EF4-FFF2-40B4-BE49-F238E27FC236}">
+                <a16:creationId xmlns:a16="http://schemas.microsoft.com/office/drawing/2014/main" id="{A0586D3A-1203-4665-9867-60B4ABF97E4A}"/>
+              </a:ext>
+            </a:extLst>
+          </p:cNvPr>
+          <p:cNvSpPr>
+            <a:spLocks noGrp="1"/>
+          </p:cNvSpPr>
+          <p:nvPr>
+            <p:ph type="body" sz="quarter" idx="10"/>
+          </p:nvPr>
+        </p:nvSpPr>
+        <p:spPr>
+          <a:xfrm>
+            <a:off x="274638" y="1212850"/>
+            <a:ext cx="11887200" cy="2800767"/>
+          </a:xfrm>
+        </p:spPr>
+        <p:txBody>
+          <a:bodyPr/>
+          <a:lstStyle/>
+          <a:p>
+            <a:pPr marL="457200" indent="-457200">
+              <a:buFont typeface="Arial" panose="020B0604020202020204" pitchFamily="34" charset="0"/>
+              <a:buChar char="•"/>
+            </a:pPr>
+            <a:r>
+              <a:rPr kumimoji="1" lang="ja-JP" altLang="en-US" sz="3200" dirty="0"/>
+              <a:t>ディープラーニングのワークフローを理解できています。</a:t>
+            </a:r>
+            <a:endParaRPr kumimoji="1" lang="en-US" altLang="ja-JP" sz="3200" dirty="0"/>
+          </a:p>
+          <a:p>
+            <a:pPr marL="457200" indent="-457200">
+              <a:buFont typeface="Arial" panose="020B0604020202020204" pitchFamily="34" charset="0"/>
+              <a:buChar char="•"/>
+            </a:pPr>
+            <a:r>
+              <a:rPr lang="ja-JP" altLang="en-US" sz="3200" dirty="0"/>
+              <a:t>畳み込みニューラルネットワークをセットアップ、訓練できるようになります。</a:t>
+            </a:r>
+            <a:endParaRPr lang="en-US" altLang="ja-JP" sz="3200" dirty="0"/>
+          </a:p>
+          <a:p>
+            <a:pPr marL="457200" indent="-457200">
+              <a:buFont typeface="Arial" panose="020B0604020202020204" pitchFamily="34" charset="0"/>
+              <a:buChar char="•"/>
+            </a:pPr>
+            <a:r>
+              <a:rPr lang="en-US" altLang="ja-JP" sz="3200" dirty="0"/>
+              <a:t>CNTK</a:t>
+            </a:r>
+            <a:r>
+              <a:rPr lang="ja-JP" altLang="en-US" sz="3200" dirty="0"/>
+              <a:t> を使ってネットワークを自由に構築することができます。</a:t>
+            </a:r>
+            <a:endParaRPr kumimoji="1" lang="ja-JP" altLang="en-US" sz="3200" dirty="0"/>
+          </a:p>
+        </p:txBody>
+      </p:sp>
+    </p:spTree>
+    <p:extLst>
+      <p:ext uri="{BB962C8B-B14F-4D97-AF65-F5344CB8AC3E}">
+        <p14:creationId xmlns:p14="http://schemas.microsoft.com/office/powerpoint/2010/main" val="3046329562"/>
+      </p:ext>
+    </p:extLst>
+  </p:cSld>
+  <p:clrMapOvr>
+    <a:masterClrMapping/>
+  </p:clrMapOvr>
+  <p:transition>
+    <p:fade/>
+  </p:transition>
+</p:sld>
+</file>
+
+<file path=ppt/slides/slide30.xml><?xml version="1.0" encoding="utf-8"?>
+<p:sld xmlns:a="http://schemas.openxmlformats.org/drawingml/2006/main" xmlns:r="http://schemas.openxmlformats.org/officeDocument/2006/relationships" xmlns:p="http://schemas.openxmlformats.org/presentationml/2006/main">
+  <p:cSld>
+    <p:spTree>
+      <p:nvGrpSpPr>
+        <p:cNvPr id="1" name=""/>
+        <p:cNvGrpSpPr/>
+        <p:nvPr/>
+      </p:nvGrpSpPr>
+      <p:grpSpPr>
+        <a:xfrm>
+          <a:off x="0" y="0"/>
+          <a:ext cx="0" cy="0"/>
+          <a:chOff x="0" y="0"/>
+          <a:chExt cx="0" cy="0"/>
+        </a:xfrm>
+      </p:grpSpPr>
+      <p:sp>
+        <p:nvSpPr>
+          <p:cNvPr id="2" name="タイトル 1">
+            <a:extLst>
+              <a:ext uri="{FF2B5EF4-FFF2-40B4-BE49-F238E27FC236}">
+                <a16:creationId xmlns:a16="http://schemas.microsoft.com/office/drawing/2014/main" id="{DCA6A5EA-903C-4A2F-B6A0-25872D22D932}"/>
+              </a:ext>
+            </a:extLst>
+          </p:cNvPr>
+          <p:cNvSpPr>
+            <a:spLocks noGrp="1"/>
+          </p:cNvSpPr>
+          <p:nvPr>
+            <p:ph type="title"/>
+          </p:nvPr>
+        </p:nvSpPr>
+        <p:spPr/>
+        <p:txBody>
+          <a:bodyPr/>
+          <a:lstStyle/>
+          <a:p>
+            <a:r>
               <a:rPr lang="ja-JP" altLang="en-US" sz="2800" dirty="0"/>
               <a:t>ニューラルネットワークの学習</a:t>
             </a:r>
@@ -20437,7 +20889,7 @@
 </p:sld>
 </file>
 
-<file path=ppt/slides/slide29.xml><?xml version="1.0" encoding="utf-8"?>
+<file path=ppt/slides/slide31.xml><?xml version="1.0" encoding="utf-8"?>
 <p:sld xmlns:a="http://schemas.openxmlformats.org/drawingml/2006/main" xmlns:r="http://schemas.openxmlformats.org/officeDocument/2006/relationships" xmlns:p="http://schemas.openxmlformats.org/presentationml/2006/main">
   <p:cSld>
     <p:spTree>
@@ -20521,137 +20973,7 @@
 </p:sld>
 </file>
 
-<file path=ppt/slides/slide3.xml><?xml version="1.0" encoding="utf-8"?>
-<p:sld xmlns:a="http://schemas.openxmlformats.org/drawingml/2006/main" xmlns:r="http://schemas.openxmlformats.org/officeDocument/2006/relationships" xmlns:p="http://schemas.openxmlformats.org/presentationml/2006/main">
-  <p:cSld>
-    <p:spTree>
-      <p:nvGrpSpPr>
-        <p:cNvPr id="1" name=""/>
-        <p:cNvGrpSpPr/>
-        <p:nvPr/>
-      </p:nvGrpSpPr>
-      <p:grpSpPr>
-        <a:xfrm>
-          <a:off x="0" y="0"/>
-          <a:ext cx="0" cy="0"/>
-          <a:chOff x="0" y="0"/>
-          <a:chExt cx="0" cy="0"/>
-        </a:xfrm>
-      </p:grpSpPr>
-      <p:sp>
-        <p:nvSpPr>
-          <p:cNvPr id="2" name="タイトル 1">
-            <a:extLst>
-              <a:ext uri="{FF2B5EF4-FFF2-40B4-BE49-F238E27FC236}">
-                <a16:creationId xmlns:a16="http://schemas.microsoft.com/office/drawing/2014/main" id="{DCA6A5EA-903C-4A2F-B6A0-25872D22D932}"/>
-              </a:ext>
-            </a:extLst>
-          </p:cNvPr>
-          <p:cNvSpPr>
-            <a:spLocks noGrp="1"/>
-          </p:cNvSpPr>
-          <p:nvPr>
-            <p:ph type="title"/>
-          </p:nvPr>
-        </p:nvSpPr>
-        <p:spPr/>
-        <p:txBody>
-          <a:bodyPr/>
-          <a:lstStyle/>
-          <a:p>
-            <a:r>
-              <a:rPr kumimoji="1" lang="ja-JP" altLang="en-US" dirty="0"/>
-              <a:t>本セッションを受けた後には</a:t>
-            </a:r>
-            <a:r>
-              <a:rPr kumimoji="1" lang="en-US" altLang="ja-JP" dirty="0"/>
-              <a:t>…</a:t>
-            </a:r>
-            <a:endParaRPr kumimoji="1" lang="ja-JP" altLang="en-US" dirty="0"/>
-          </a:p>
-        </p:txBody>
-      </p:sp>
-      <p:sp>
-        <p:nvSpPr>
-          <p:cNvPr id="3" name="テキスト プレースホルダー 2">
-            <a:extLst>
-              <a:ext uri="{FF2B5EF4-FFF2-40B4-BE49-F238E27FC236}">
-                <a16:creationId xmlns:a16="http://schemas.microsoft.com/office/drawing/2014/main" id="{A0586D3A-1203-4665-9867-60B4ABF97E4A}"/>
-              </a:ext>
-            </a:extLst>
-          </p:cNvPr>
-          <p:cNvSpPr>
-            <a:spLocks noGrp="1"/>
-          </p:cNvSpPr>
-          <p:nvPr>
-            <p:ph type="body" sz="quarter" idx="10"/>
-          </p:nvPr>
-        </p:nvSpPr>
-        <p:spPr>
-          <a:xfrm>
-            <a:off x="274638" y="1212850"/>
-            <a:ext cx="11887200" cy="2800767"/>
-          </a:xfrm>
-        </p:spPr>
-        <p:txBody>
-          <a:bodyPr/>
-          <a:lstStyle/>
-          <a:p>
-            <a:pPr marL="457200" indent="-457200">
-              <a:buFont typeface="Arial" panose="020B0604020202020204" pitchFamily="34" charset="0"/>
-              <a:buChar char="•"/>
-            </a:pPr>
-            <a:r>
-              <a:rPr kumimoji="1" lang="ja-JP" altLang="en-US" sz="3200" dirty="0"/>
-              <a:t>ディープラーニングのワークフローを理解できています。</a:t>
-            </a:r>
-            <a:endParaRPr kumimoji="1" lang="en-US" altLang="ja-JP" sz="3200" dirty="0"/>
-          </a:p>
-          <a:p>
-            <a:pPr marL="457200" indent="-457200">
-              <a:buFont typeface="Arial" panose="020B0604020202020204" pitchFamily="34" charset="0"/>
-              <a:buChar char="•"/>
-            </a:pPr>
-            <a:r>
-              <a:rPr lang="ja-JP" altLang="en-US" sz="3200" dirty="0"/>
-              <a:t>畳み込みニューラルネットワークをセットアップ、訓練できるようになります。</a:t>
-            </a:r>
-            <a:endParaRPr lang="en-US" altLang="ja-JP" sz="3200" dirty="0"/>
-          </a:p>
-          <a:p>
-            <a:pPr marL="457200" indent="-457200">
-              <a:buFont typeface="Arial" panose="020B0604020202020204" pitchFamily="34" charset="0"/>
-              <a:buChar char="•"/>
-            </a:pPr>
-            <a:r>
-              <a:rPr lang="en-US" altLang="ja-JP" sz="3200" dirty="0"/>
-              <a:t>CNTK</a:t>
-            </a:r>
-            <a:r>
-              <a:rPr lang="ja-JP" altLang="en-US" sz="3200" dirty="0"/>
-              <a:t> を使ってネットワークを自由に構築することができます。</a:t>
-            </a:r>
-            <a:endParaRPr kumimoji="1" lang="ja-JP" altLang="en-US" sz="3200" dirty="0"/>
-          </a:p>
-        </p:txBody>
-      </p:sp>
-    </p:spTree>
-    <p:extLst>
-      <p:ext uri="{BB962C8B-B14F-4D97-AF65-F5344CB8AC3E}">
-        <p14:creationId xmlns:p14="http://schemas.microsoft.com/office/powerpoint/2010/main" val="3046329562"/>
-      </p:ext>
-    </p:extLst>
-  </p:cSld>
-  <p:clrMapOvr>
-    <a:masterClrMapping/>
-  </p:clrMapOvr>
-  <p:transition>
-    <p:fade/>
-  </p:transition>
-</p:sld>
-</file>
-
-<file path=ppt/slides/slide30.xml><?xml version="1.0" encoding="utf-8"?>
+<file path=ppt/slides/slide32.xml><?xml version="1.0" encoding="utf-8"?>
 <p:sld xmlns:a="http://schemas.openxmlformats.org/drawingml/2006/main" xmlns:r="http://schemas.openxmlformats.org/officeDocument/2006/relationships" xmlns:p="http://schemas.openxmlformats.org/presentationml/2006/main">
   <p:cSld>
     <p:spTree>
@@ -20817,7 +21139,7 @@
 </p:sld>
 </file>
 
-<file path=ppt/slides/slide31.xml><?xml version="1.0" encoding="utf-8"?>
+<file path=ppt/slides/slide33.xml><?xml version="1.0" encoding="utf-8"?>
 <p:sld xmlns:a="http://schemas.openxmlformats.org/drawingml/2006/main" xmlns:r="http://schemas.openxmlformats.org/officeDocument/2006/relationships" xmlns:p="http://schemas.openxmlformats.org/presentationml/2006/main">
   <p:cSld>
     <p:spTree>
@@ -21078,7 +21400,7 @@
 </p:sld>
 </file>
 
-<file path=ppt/slides/slide32.xml><?xml version="1.0" encoding="utf-8"?>
+<file path=ppt/slides/slide34.xml><?xml version="1.0" encoding="utf-8"?>
 <p:sld xmlns:a="http://schemas.openxmlformats.org/drawingml/2006/main" xmlns:r="http://schemas.openxmlformats.org/officeDocument/2006/relationships" xmlns:p="http://schemas.openxmlformats.org/presentationml/2006/main">
   <p:cSld>
     <p:spTree>
@@ -21330,7 +21652,7 @@
 </p:sld>
 </file>
 
-<file path=ppt/slides/slide33.xml><?xml version="1.0" encoding="utf-8"?>
+<file path=ppt/slides/slide35.xml><?xml version="1.0" encoding="utf-8"?>
 <p:sld xmlns:a="http://schemas.openxmlformats.org/drawingml/2006/main" xmlns:r="http://schemas.openxmlformats.org/officeDocument/2006/relationships" xmlns:p="http://schemas.openxmlformats.org/presentationml/2006/main">
   <p:cSld>
     <p:spTree>
@@ -24395,21 +24717,6 @@
 </file>
 
 <file path=customXml/item1.xml><?xml version="1.0" encoding="utf-8"?>
-<?mso-contentType ?>
-<FormTemplates xmlns="http://schemas.microsoft.com/sharepoint/v3/contenttype/forms">
-  <Display>DocumentLibraryForm</Display>
-  <Edit>DocumentLibraryForm</Edit>
-  <New>DocumentLibraryForm</New>
-</FormTemplates>
-</file>
-
-<file path=customXml/item2.xml><?xml version="1.0" encoding="utf-8"?>
-<p:properties xmlns:p="http://schemas.microsoft.com/office/2006/metadata/properties" xmlns:xsi="http://www.w3.org/2001/XMLSchema-instance" xmlns:pc="http://schemas.microsoft.com/office/infopath/2007/PartnerControls">
-  <documentManagement/>
-</p:properties>
-</file>
-
-<file path=customXml/item3.xml><?xml version="1.0" encoding="utf-8"?>
 <ct:contentTypeSchema xmlns:ct="http://schemas.microsoft.com/office/2006/metadata/contentType" xmlns:ma="http://schemas.microsoft.com/office/2006/metadata/properties/metaAttributes" ct:_="" ma:_="" ma:contentTypeName="Document" ma:contentTypeID="0x010100E64CBC447044034E9869926A7E2D3677" ma:contentTypeVersion="2" ma:contentTypeDescription="Create a new document." ma:contentTypeScope="" ma:versionID="d22cbe98dc0718a1d1d10e03de5845c7">
   <xsd:schema xmlns:xsd="http://www.w3.org/2001/XMLSchema" xmlns:xs="http://www.w3.org/2001/XMLSchema" xmlns:p="http://schemas.microsoft.com/office/2006/metadata/properties" xmlns:ns2="b4e98c9e-7b5f-4ddf-ac48-176de55e1646" targetNamespace="http://schemas.microsoft.com/office/2006/metadata/properties" ma:root="true" ma:fieldsID="e71675e16296e6bb2568e33d7bff224d" ns2:_="">
     <xsd:import namespace="b4e98c9e-7b5f-4ddf-ac48-176de55e1646"/>
@@ -24541,10 +24848,35 @@
 </ct:contentTypeSchema>
 </file>
 
+<file path=customXml/item2.xml><?xml version="1.0" encoding="utf-8"?>
+<p:properties xmlns:p="http://schemas.microsoft.com/office/2006/metadata/properties" xmlns:xsi="http://www.w3.org/2001/XMLSchema-instance" xmlns:pc="http://schemas.microsoft.com/office/infopath/2007/PartnerControls">
+  <documentManagement/>
+</p:properties>
+</file>
+
+<file path=customXml/item3.xml><?xml version="1.0" encoding="utf-8"?>
+<?mso-contentType ?>
+<FormTemplates xmlns="http://schemas.microsoft.com/sharepoint/v3/contenttype/forms">
+  <Display>DocumentLibraryForm</Display>
+  <Edit>DocumentLibraryForm</Edit>
+  <New>DocumentLibraryForm</New>
+</FormTemplates>
+</file>
+
 <file path=customXml/itemProps1.xml><?xml version="1.0" encoding="utf-8"?>
-<ds:datastoreItem xmlns:ds="http://schemas.openxmlformats.org/officeDocument/2006/customXml" ds:itemID="{758FDAC0-319D-4A54-8D8E-1D42CB1F8004}">
+<ds:datastoreItem xmlns:ds="http://schemas.openxmlformats.org/officeDocument/2006/customXml" ds:itemID="{861CE82E-0072-4F29-9333-43E87851B418}">
   <ds:schemaRefs>
-    <ds:schemaRef ds:uri="http://schemas.microsoft.com/sharepoint/v3/contenttype/forms"/>
+    <ds:schemaRef ds:uri="http://schemas.microsoft.com/office/2006/metadata/contentType"/>
+    <ds:schemaRef ds:uri="http://schemas.microsoft.com/office/2006/metadata/properties/metaAttributes"/>
+    <ds:schemaRef ds:uri="http://www.w3.org/2001/XMLSchema"/>
+    <ds:schemaRef ds:uri="http://schemas.microsoft.com/office/2006/metadata/properties"/>
+    <ds:schemaRef ds:uri="b4e98c9e-7b5f-4ddf-ac48-176de55e1646"/>
+    <ds:schemaRef ds:uri="http://schemas.microsoft.com/office/2006/documentManagement/types"/>
+    <ds:schemaRef ds:uri="http://schemas.microsoft.com/office/infopath/2007/PartnerControls"/>
+    <ds:schemaRef ds:uri="http://schemas.openxmlformats.org/package/2006/metadata/core-properties"/>
+    <ds:schemaRef ds:uri="http://purl.org/dc/elements/1.1/"/>
+    <ds:schemaRef ds:uri="http://purl.org/dc/terms/"/>
+    <ds:schemaRef ds:uri="http://schemas.microsoft.com/internal/obd"/>
   </ds:schemaRefs>
 </ds:datastoreItem>
 </file>
@@ -24566,19 +24898,9 @@
 </file>
 
 <file path=customXml/itemProps3.xml><?xml version="1.0" encoding="utf-8"?>
-<ds:datastoreItem xmlns:ds="http://schemas.openxmlformats.org/officeDocument/2006/customXml" ds:itemID="{861CE82E-0072-4F29-9333-43E87851B418}">
+<ds:datastoreItem xmlns:ds="http://schemas.openxmlformats.org/officeDocument/2006/customXml" ds:itemID="{758FDAC0-319D-4A54-8D8E-1D42CB1F8004}">
   <ds:schemaRefs>
-    <ds:schemaRef ds:uri="http://schemas.microsoft.com/office/2006/metadata/contentType"/>
-    <ds:schemaRef ds:uri="http://schemas.microsoft.com/office/2006/metadata/properties/metaAttributes"/>
-    <ds:schemaRef ds:uri="http://www.w3.org/2001/XMLSchema"/>
-    <ds:schemaRef ds:uri="http://schemas.microsoft.com/office/2006/metadata/properties"/>
-    <ds:schemaRef ds:uri="b4e98c9e-7b5f-4ddf-ac48-176de55e1646"/>
-    <ds:schemaRef ds:uri="http://schemas.microsoft.com/office/2006/documentManagement/types"/>
-    <ds:schemaRef ds:uri="http://schemas.microsoft.com/office/infopath/2007/PartnerControls"/>
-    <ds:schemaRef ds:uri="http://schemas.openxmlformats.org/package/2006/metadata/core-properties"/>
-    <ds:schemaRef ds:uri="http://purl.org/dc/elements/1.1/"/>
-    <ds:schemaRef ds:uri="http://purl.org/dc/terms/"/>
-    <ds:schemaRef ds:uri="http://schemas.microsoft.com/internal/obd"/>
+    <ds:schemaRef ds:uri="http://schemas.microsoft.com/sharepoint/v3/contenttype/forms"/>
   </ds:schemaRefs>
 </ds:datastoreItem>
 </file>